--- a/PsychoPy_FYP/PsychoPy-part1.pptx
+++ b/PsychoPy_FYP/PsychoPy-part1.pptx
@@ -2026,7 +2026,7 @@
           <a:p>
             <a:fld id="{B4554F2B-4BCF-4197-901F-D7CA0C5C3346}" type="datetimeFigureOut">
               <a:rPr lang="en-US" smtClean="0"/>
-              <a:t>11/8/2017</a:t>
+              <a:t>9/27/2018</a:t>
             </a:fld>
             <a:endParaRPr lang="en-US" dirty="0"/>
           </a:p>
@@ -2283,7 +2283,7 @@
           <a:p>
             <a:fld id="{E28077EF-3DB9-4852-A8C8-9AA18A70A9F8}" type="datetimeFigureOut">
               <a:rPr lang="en-US" smtClean="0"/>
-              <a:t>11/8/2017</a:t>
+              <a:t>9/27/2018</a:t>
             </a:fld>
             <a:endParaRPr lang="en-US" dirty="0"/>
           </a:p>
@@ -2599,7 +2599,7 @@
           <a:p>
             <a:fld id="{E28077EF-3DB9-4852-A8C8-9AA18A70A9F8}" type="datetimeFigureOut">
               <a:rPr lang="en-US" smtClean="0"/>
-              <a:t>11/8/2017</a:t>
+              <a:t>9/27/2018</a:t>
             </a:fld>
             <a:endParaRPr lang="en-US" dirty="0"/>
           </a:p>
@@ -2934,7 +2934,7 @@
           <a:p>
             <a:fld id="{E28077EF-3DB9-4852-A8C8-9AA18A70A9F8}" type="datetimeFigureOut">
               <a:rPr lang="en-US" smtClean="0"/>
-              <a:t>11/8/2017</a:t>
+              <a:t>9/27/2018</a:t>
             </a:fld>
             <a:endParaRPr lang="en-US" dirty="0"/>
           </a:p>
@@ -3250,7 +3250,7 @@
           <a:p>
             <a:fld id="{E28077EF-3DB9-4852-A8C8-9AA18A70A9F8}" type="datetimeFigureOut">
               <a:rPr lang="en-US" smtClean="0"/>
-              <a:t>11/8/2017</a:t>
+              <a:t>9/27/2018</a:t>
             </a:fld>
             <a:endParaRPr lang="en-US" dirty="0"/>
           </a:p>
@@ -3645,7 +3645,7 @@
           <a:p>
             <a:fld id="{E28077EF-3DB9-4852-A8C8-9AA18A70A9F8}" type="datetimeFigureOut">
               <a:rPr lang="en-US" smtClean="0"/>
-              <a:t>11/8/2017</a:t>
+              <a:t>9/27/2018</a:t>
             </a:fld>
             <a:endParaRPr lang="en-US" dirty="0"/>
           </a:p>
@@ -3817,7 +3817,7 @@
           <a:p>
             <a:fld id="{80C08BB0-1F20-4C6B-A56C-896A9F73FB4A}" type="datetimeFigureOut">
               <a:rPr lang="en-US" smtClean="0"/>
-              <a:t>11/8/2017</a:t>
+              <a:t>9/27/2018</a:t>
             </a:fld>
             <a:endParaRPr lang="en-US" dirty="0"/>
           </a:p>
@@ -3998,7 +3998,7 @@
           <a:p>
             <a:fld id="{735C60DA-11B7-472A-AFEF-07FB059A27D8}" type="datetimeFigureOut">
               <a:rPr lang="en-US" smtClean="0"/>
-              <a:t>11/8/2017</a:t>
+              <a:t>9/27/2018</a:t>
             </a:fld>
             <a:endParaRPr lang="en-US" dirty="0"/>
           </a:p>
@@ -4374,7 +4374,7 @@
           <a:p>
             <a:fld id="{2651F21A-8405-4DA5-BEAC-3D4CC71D54EA}" type="datetimeFigureOut">
               <a:rPr lang="en-US" smtClean="0"/>
-              <a:t>11/8/2017</a:t>
+              <a:t>9/27/2018</a:t>
             </a:fld>
             <a:endParaRPr lang="en-US" dirty="0"/>
           </a:p>
@@ -4622,7 +4622,7 @@
           <a:p>
             <a:fld id="{78685F84-9683-4B1B-940C-516296C3B9E2}" type="datetimeFigureOut">
               <a:rPr lang="en-US" smtClean="0"/>
-              <a:t>11/8/2017</a:t>
+              <a:t>9/27/2018</a:t>
             </a:fld>
             <a:endParaRPr lang="en-US" dirty="0"/>
           </a:p>
@@ -4925,7 +4925,7 @@
           <a:p>
             <a:fld id="{0657B2AD-074C-4247-B20E-4BA1D1B80702}" type="datetimeFigureOut">
               <a:rPr lang="en-US" smtClean="0"/>
-              <a:t>11/8/2017</a:t>
+              <a:t>9/27/2018</a:t>
             </a:fld>
             <a:endParaRPr lang="en-US" dirty="0"/>
           </a:p>
@@ -5305,7 +5305,7 @@
           <a:p>
             <a:fld id="{8DCC26FB-39E8-4A97-A330-257F2E3058A9}" type="datetimeFigureOut">
               <a:rPr lang="en-US" smtClean="0"/>
-              <a:t>11/8/2017</a:t>
+              <a:t>9/27/2018</a:t>
             </a:fld>
             <a:endParaRPr lang="en-US" dirty="0"/>
           </a:p>
@@ -5429,7 +5429,7 @@
           <a:p>
             <a:fld id="{3EE6405D-5078-464B-95D5-AD1D787A29C3}" type="datetimeFigureOut">
               <a:rPr lang="en-US" smtClean="0"/>
-              <a:t>11/8/2017</a:t>
+              <a:t>9/27/2018</a:t>
             </a:fld>
             <a:endParaRPr lang="en-US" dirty="0"/>
           </a:p>
@@ -5524,7 +5524,7 @@
           <a:p>
             <a:fld id="{8CB55EF8-B59A-48DF-A116-AFDAD4B003AB}" type="datetimeFigureOut">
               <a:rPr lang="en-US" smtClean="0"/>
-              <a:t>11/8/2017</a:t>
+              <a:t>9/27/2018</a:t>
             </a:fld>
             <a:endParaRPr lang="en-US" dirty="0"/>
           </a:p>
@@ -5779,7 +5779,7 @@
           <a:p>
             <a:fld id="{EC94AEE7-DB1F-4DD1-9290-70ECE3C49600}" type="datetimeFigureOut">
               <a:rPr lang="en-US" smtClean="0"/>
-              <a:t>11/8/2017</a:t>
+              <a:t>9/27/2018</a:t>
             </a:fld>
             <a:endParaRPr lang="en-US" dirty="0"/>
           </a:p>
@@ -6043,7 +6043,7 @@
           <a:p>
             <a:fld id="{581F845D-AA64-4C6F-B170-8AA45DD4B329}" type="datetimeFigureOut">
               <a:rPr lang="en-US" smtClean="0"/>
-              <a:t>11/8/2017</a:t>
+              <a:t>9/27/2018</a:t>
             </a:fld>
             <a:endParaRPr lang="en-US" dirty="0"/>
           </a:p>
@@ -6859,7 +6859,7 @@
           <a:p>
             <a:fld id="{E28077EF-3DB9-4852-A8C8-9AA18A70A9F8}" type="datetimeFigureOut">
               <a:rPr lang="en-US" smtClean="0"/>
-              <a:t>11/8/2017</a:t>
+              <a:t>9/27/2018</a:t>
             </a:fld>
             <a:endParaRPr lang="en-US" dirty="0"/>
           </a:p>
@@ -7466,11 +7466,7 @@
             </a:pPr>
             <a:r>
               <a:rPr lang="en" dirty="0" smtClean="0"/>
-              <a:t>John Allen </a:t>
-            </a:r>
-            <a:r>
-              <a:rPr lang="en" dirty="0" smtClean="0"/>
-              <a:t>and Frank Gasking</a:t>
+              <a:t>John Allen and Frank Gasking</a:t>
             </a:r>
             <a:endParaRPr lang="en" dirty="0"/>
           </a:p>
@@ -7601,11 +7597,7 @@
             </a:pPr>
             <a:r>
               <a:rPr lang="en" b="1" dirty="0" smtClean="0"/>
-              <a:t>Data </a:t>
-            </a:r>
-            <a:r>
-              <a:rPr lang="en" b="1" dirty="0" smtClean="0"/>
-              <a:t>output</a:t>
+              <a:t>Data output</a:t>
             </a:r>
           </a:p>
           <a:p>
@@ -10127,11 +10119,7 @@
           <a:p>
             <a:r>
               <a:rPr lang="en-GB" sz="4000" dirty="0" smtClean="0"/>
-              <a:t>Exercise </a:t>
-            </a:r>
-            <a:r>
-              <a:rPr lang="en-GB" sz="4000" dirty="0" smtClean="0"/>
-              <a:t>1.3</a:t>
+              <a:t>Exercise 1.3</a:t>
             </a:r>
             <a:r>
               <a:rPr lang="en-GB" dirty="0" smtClean="0"/>
@@ -10170,13 +10158,8 @@
             </a:pPr>
             <a:r>
               <a:rPr lang="en-GB" b="1" dirty="0" smtClean="0"/>
-              <a:t>Exercise </a:t>
-            </a:r>
-            <a:r>
-              <a:rPr lang="en-GB" b="1" dirty="0" smtClean="0"/>
-              <a:t>1.3</a:t>
-            </a:r>
-            <a:endParaRPr lang="en-GB" b="1" dirty="0" smtClean="0"/>
+              <a:t>Exercise 1.3</a:t>
+            </a:r>
           </a:p>
           <a:p>
             <a:pPr marL="0" indent="0">
@@ -10211,7 +10194,6 @@
               <a:rPr lang="en-GB" dirty="0" smtClean="0"/>
               <a:t>Increase the font size of the target word stimuli</a:t>
             </a:r>
-            <a:endParaRPr lang="en-GB" dirty="0" smtClean="0"/>
           </a:p>
           <a:p>
             <a:pPr marL="0" indent="0">
@@ -10941,7 +10923,7 @@
         <p:spPr>
           <a:xfrm>
             <a:off x="5076055" y="4887243"/>
-            <a:ext cx="2181011" cy="1277273"/>
+            <a:ext cx="2181011" cy="1785104"/>
           </a:xfrm>
           <a:prstGeom prst="rect">
             <a:avLst/>
@@ -10956,20 +10938,20 @@
           <a:p>
             <a:pPr algn="ctr"/>
             <a:r>
-              <a:rPr lang="en-GB" sz="1100" dirty="0" err="1" smtClean="0"/>
+              <a:rPr lang="en-GB" sz="1100" dirty="0" err="1"/>
               <a:t>PsychoPy</a:t>
             </a:r>
             <a:r>
-              <a:rPr lang="en-GB" sz="1100" dirty="0" smtClean="0"/>
+              <a:rPr lang="en-GB" sz="1100" dirty="0"/>
               <a:t> automatically picks up the headers and treats them as “</a:t>
             </a:r>
             <a:r>
-              <a:rPr lang="en-GB" sz="1100" b="1" dirty="0" smtClean="0"/>
+              <a:rPr lang="en-GB" sz="1100" b="1" dirty="0"/>
               <a:t>Attributes</a:t>
             </a:r>
             <a:r>
-              <a:rPr lang="en-GB" sz="1100" dirty="0" smtClean="0"/>
-              <a:t>”</a:t>
+              <a:rPr lang="en-GB" sz="1100" dirty="0"/>
+              <a:t>” (or Python Variables).  These are CASE SENSITIVE.  There should be NO WHITE SPACE!</a:t>
             </a:r>
           </a:p>
           <a:p>
@@ -10979,23 +10961,23 @@
           <a:p>
             <a:pPr algn="ctr"/>
             <a:r>
-              <a:rPr lang="en-GB" sz="1100" dirty="0" smtClean="0"/>
+              <a:rPr lang="en-GB" sz="1100" dirty="0"/>
               <a:t>These are now available to the “</a:t>
             </a:r>
             <a:r>
-              <a:rPr lang="en-GB" sz="1100" b="1" dirty="0" smtClean="0"/>
+              <a:rPr lang="en-GB" sz="1100" b="1" dirty="0"/>
               <a:t>trial</a:t>
             </a:r>
             <a:r>
-              <a:rPr lang="en-GB" sz="1100" dirty="0" smtClean="0"/>
+              <a:rPr lang="en-GB" sz="1100" dirty="0"/>
               <a:t>” routine and the </a:t>
             </a:r>
             <a:r>
-              <a:rPr lang="en-GB" sz="1100" b="1" dirty="0" smtClean="0"/>
+              <a:rPr lang="en-GB" sz="1100" b="1" dirty="0"/>
               <a:t>components</a:t>
             </a:r>
             <a:r>
-              <a:rPr lang="en-GB" sz="1100" dirty="0" smtClean="0"/>
+              <a:rPr lang="en-GB" sz="1100" dirty="0"/>
               <a:t> within.</a:t>
             </a:r>
             <a:endParaRPr lang="en-US" sz="1100" dirty="0"/>
@@ -13237,7 +13219,25 @@
               <a:rPr lang="en-GB" dirty="0" smtClean="0"/>
               <a:t>’</a:t>
             </a:r>
-            <a:endParaRPr lang="en-US" dirty="0"/>
+          </a:p>
+          <a:p>
+            <a:pPr lvl="1">
+              <a:buFont typeface="+mj-lt"/>
+              <a:buAutoNum type="arabicPeriod"/>
+            </a:pPr>
+            <a:r>
+              <a:rPr lang="en-GB" dirty="0" smtClean="0">
+                <a:solidFill>
+                  <a:srgbClr val="FF0000"/>
+                </a:solidFill>
+              </a:rPr>
+              <a:t>Please make sure you unzip the file and not click onto it!</a:t>
+            </a:r>
+            <a:endParaRPr lang="en-US" dirty="0">
+              <a:solidFill>
+                <a:srgbClr val="FF0000"/>
+              </a:solidFill>
+            </a:endParaRPr>
           </a:p>
           <a:p>
             <a:endParaRPr lang="en-US" dirty="0" smtClean="0"/>
@@ -13313,15 +13313,7 @@
           <a:p>
             <a:r>
               <a:rPr lang="en-GB" sz="2400" dirty="0" smtClean="0"/>
-              <a:t>Exercise 2</a:t>
-            </a:r>
-            <a:r>
-              <a:rPr lang="en-GB" sz="2400" dirty="0" smtClean="0"/>
-              <a:t>: </a:t>
-            </a:r>
-            <a:r>
-              <a:rPr lang="en-GB" sz="2400" dirty="0" smtClean="0"/>
-              <a:t>further </a:t>
+              <a:t>Exercise 2: further </a:t>
             </a:r>
             <a:r>
               <a:rPr lang="en-GB" sz="2400" dirty="0"/>
@@ -13429,7 +13421,15 @@
             </a:pPr>
             <a:r>
               <a:rPr lang="en-GB" dirty="0" smtClean="0"/>
-              <a:t>Update keyboard input from </a:t>
+              <a:t>Update </a:t>
+            </a:r>
+            <a:r>
+              <a:rPr lang="en-GB" dirty="0" err="1" smtClean="0"/>
+              <a:t>keysfrom</a:t>
+            </a:r>
+            <a:r>
+              <a:rPr lang="en-GB" dirty="0" smtClean="0"/>
+              <a:t> </a:t>
             </a:r>
             <a:r>
               <a:rPr lang="en-GB" b="1" dirty="0" smtClean="0"/>
@@ -14126,7 +14126,6 @@
               <a:rPr lang="en-GB" dirty="0" smtClean="0"/>
               <a:t>Useful for randomising order of blocks (outer level)</a:t>
             </a:r>
-            <a:endParaRPr lang="en-GB" dirty="0" smtClean="0"/>
           </a:p>
           <a:p>
             <a:endParaRPr lang="en-GB" dirty="0"/>
@@ -14828,47 +14827,27 @@
           <a:p>
             <a:r>
               <a:rPr lang="en-GB" dirty="0" smtClean="0"/>
-              <a:t>One </a:t>
-            </a:r>
-            <a:r>
-              <a:rPr lang="en-GB" dirty="0" smtClean="0"/>
-              <a:t>of the key settings you may want to </a:t>
-            </a:r>
-            <a:r>
-              <a:rPr lang="en-GB" dirty="0" smtClean="0"/>
-              <a:t/>
+              <a:t>One of the key settings you may want to </a:t>
             </a:r>
             <a:br>
               <a:rPr lang="en-GB" dirty="0" smtClean="0"/>
             </a:br>
             <a:r>
               <a:rPr lang="en-GB" dirty="0" smtClean="0"/>
-              <a:t>consider </a:t>
-            </a:r>
-            <a:r>
-              <a:rPr lang="en-GB" dirty="0" smtClean="0"/>
-              <a:t>changing!</a:t>
+              <a:t>consider changing!</a:t>
             </a:r>
           </a:p>
           <a:p>
             <a:r>
               <a:rPr lang="en-GB" dirty="0" smtClean="0"/>
               <a:t>By default, when running an experiment you </a:t>
-            </a:r>
-            <a:r>
-              <a:rPr lang="en-GB" dirty="0" smtClean="0"/>
-              <a:t/>
             </a:r>
             <a:br>
               <a:rPr lang="en-GB" dirty="0" smtClean="0"/>
             </a:br>
             <a:r>
               <a:rPr lang="en-GB" dirty="0" smtClean="0"/>
-              <a:t>can </a:t>
-            </a:r>
-            <a:r>
-              <a:rPr lang="en-GB" dirty="0" smtClean="0"/>
-              <a:t>press ESC</a:t>
+              <a:t>can press ESC</a:t>
             </a:r>
           </a:p>
           <a:p>
@@ -16241,11 +16220,7 @@
             </a:pPr>
             <a:r>
               <a:rPr lang="en-GB" dirty="0" smtClean="0"/>
-              <a:t>question if they answered previously with a particular </a:t>
-            </a:r>
-            <a:r>
-              <a:rPr lang="en-GB" dirty="0" smtClean="0"/>
-              <a:t>answer or you might want to let them have a rest in the middle of a long experiment?</a:t>
+              <a:t>question if they answered previously with a particular answer or you might want to let them have a rest in the middle of a long experiment?</a:t>
             </a:r>
             <a:br>
               <a:rPr lang="en-GB" dirty="0" smtClean="0"/>
@@ -16524,11 +16499,7 @@
           <a:p>
             <a:r>
               <a:rPr lang="en-GB" dirty="0" smtClean="0"/>
-              <a:t>When lab testing, ensure you test your experiment in there 24 hours </a:t>
-            </a:r>
-            <a:r>
-              <a:rPr lang="en-GB" dirty="0" smtClean="0"/>
-              <a:t>before</a:t>
+              <a:t>When lab testing, ensure you test your experiment in there 24 hours before</a:t>
             </a:r>
             <a:br>
               <a:rPr lang="en-GB" dirty="0" smtClean="0"/>
@@ -16538,11 +16509,7 @@
           <a:p>
             <a:r>
               <a:rPr lang="en-GB" dirty="0" smtClean="0"/>
-              <a:t>Label your routines/loops and components </a:t>
-            </a:r>
-            <a:r>
-              <a:rPr lang="en-GB" dirty="0" smtClean="0"/>
-              <a:t>clearly</a:t>
+              <a:t>Label your routines/loops and components clearly</a:t>
             </a:r>
             <a:br>
               <a:rPr lang="en-GB" dirty="0" smtClean="0"/>
@@ -16552,15 +16519,7 @@
           <a:p>
             <a:r>
               <a:rPr lang="en-GB" dirty="0" smtClean="0"/>
-              <a:t>Make </a:t>
-            </a:r>
-            <a:r>
-              <a:rPr lang="en-GB" dirty="0" smtClean="0"/>
-              <a:t>regular backups</a:t>
-            </a:r>
-            <a:r>
-              <a:rPr lang="en-GB" dirty="0" smtClean="0"/>
-              <a:t>!!</a:t>
+              <a:t>Make regular backups!!</a:t>
             </a:r>
             <a:br>
               <a:rPr lang="en-GB" dirty="0" smtClean="0"/>
@@ -16584,11 +16543,7 @@
             </a:pPr>
             <a:r>
               <a:rPr lang="en-GB" dirty="0" smtClean="0"/>
-              <a:t>Don’t just rely on USB sticks (can be unreliable</a:t>
-            </a:r>
-            <a:r>
-              <a:rPr lang="en-GB" dirty="0" smtClean="0"/>
-              <a:t>)</a:t>
+              <a:t>Don’t just rely on USB sticks (can be unreliable)</a:t>
             </a:r>
             <a:br>
               <a:rPr lang="en-GB" dirty="0" smtClean="0"/>
@@ -16598,11 +16553,7 @@
           <a:p>
             <a:r>
               <a:rPr lang="en-GB" dirty="0" smtClean="0"/>
-              <a:t>Check </a:t>
-            </a:r>
-            <a:r>
-              <a:rPr lang="en-GB" dirty="0" smtClean="0"/>
-              <a:t>your data output and ensure its solid</a:t>
+              <a:t>Check your data output and ensure its solid</a:t>
             </a:r>
           </a:p>
           <a:p>
@@ -16612,21 +16563,8 @@
             </a:pPr>
             <a:r>
               <a:rPr lang="en-GB" dirty="0" smtClean="0"/>
-              <a:t>Make sure you are </a:t>
-            </a:r>
-            <a:r>
-              <a:rPr lang="en-GB" dirty="0" smtClean="0"/>
-              <a:t>saving ALL the </a:t>
-            </a:r>
-            <a:r>
-              <a:rPr lang="en-GB" dirty="0" smtClean="0"/>
-              <a:t>data you need </a:t>
-            </a:r>
-            <a:r>
-              <a:rPr lang="en-GB" dirty="0" smtClean="0"/>
-              <a:t>for your analysis</a:t>
-            </a:r>
-            <a:endParaRPr lang="en-GB" dirty="0" smtClean="0"/>
+              <a:t>Make sure you are saving ALL the data you need for your analysis</a:t>
+            </a:r>
           </a:p>
           <a:p>
             <a:pPr>
@@ -17313,7 +17251,25 @@
           <a:p>
             <a:r>
               <a:rPr lang="en-GB" dirty="0" smtClean="0"/>
-              <a:t>Open up the picture-</a:t>
+              <a:t>First close the old </a:t>
+            </a:r>
+            <a:r>
+              <a:rPr lang="en-GB" dirty="0" err="1" smtClean="0"/>
+              <a:t>Stroop</a:t>
+            </a:r>
+            <a:r>
+              <a:rPr lang="en-GB" dirty="0" smtClean="0"/>
+              <a:t> task if you already have it open.</a:t>
+            </a:r>
+          </a:p>
+          <a:p>
+            <a:r>
+              <a:rPr lang="en-GB" dirty="0" smtClean="0"/>
+              <a:t>Open </a:t>
+            </a:r>
+            <a:r>
+              <a:rPr lang="en-GB" dirty="0" smtClean="0"/>
+              <a:t>up the picture-</a:t>
             </a:r>
             <a:r>
               <a:rPr lang="en-GB" dirty="0" err="1" smtClean="0"/>
@@ -17809,11 +17765,7 @@
           <a:p>
             <a:r>
               <a:rPr lang="en" sz="1600" dirty="0" smtClean="0"/>
-              <a:t>In Psychology </a:t>
-            </a:r>
-            <a:r>
-              <a:rPr lang="en" sz="1600" dirty="0" smtClean="0"/>
-              <a:t>we often want to:</a:t>
+              <a:t>In Psychology we often want to:</a:t>
             </a:r>
             <a:endParaRPr sz="1400" dirty="0" smtClean="0"/>
           </a:p>
@@ -17826,7 +17778,6 @@
               <a:rPr lang="en" dirty="0" smtClean="0"/>
               <a:t>display stimuli PRECISELY</a:t>
             </a:r>
-            <a:endParaRPr lang="en" dirty="0" smtClean="0"/>
           </a:p>
           <a:p>
             <a:pPr marL="819150" lvl="1">
@@ -17835,11 +17786,7 @@
             </a:pPr>
             <a:r>
               <a:rPr lang="en" dirty="0" smtClean="0"/>
-              <a:t>capture user </a:t>
-            </a:r>
-            <a:r>
-              <a:rPr lang="en" dirty="0" smtClean="0"/>
-              <a:t>responses</a:t>
+              <a:t>capture user responses</a:t>
             </a:r>
           </a:p>
           <a:p>
@@ -17922,11 +17869,7 @@
           <a:p>
             <a:r>
               <a:rPr lang="en" sz="1600" dirty="0" smtClean="0"/>
-              <a:t>has </a:t>
-            </a:r>
-            <a:r>
-              <a:rPr lang="en" sz="1600" dirty="0" smtClean="0"/>
-              <a:t>lots of support</a:t>
+              <a:t>has lots of support</a:t>
             </a:r>
           </a:p>
           <a:p>
@@ -18083,7 +18026,7 @@
                 <a:cs typeface="Courier New"/>
                 <a:sym typeface="Courier New"/>
               </a:rPr>
-              <a:t>2017/18</a:t>
+              <a:t>2018/19</a:t>
             </a:r>
             <a:r>
               <a:rPr lang="en" sz="1400" dirty="0" smtClean="0">
@@ -18094,7 +18037,18 @@
                 <a:cs typeface="Courier New"/>
                 <a:sym typeface="Courier New"/>
               </a:rPr>
-              <a:t> we are using </a:t>
+              <a:t> </a:t>
+            </a:r>
+            <a:r>
+              <a:rPr lang="en" sz="1400" dirty="0" smtClean="0">
+                <a:solidFill>
+                  <a:schemeClr val="tx1"/>
+                </a:solidFill>
+                <a:ea typeface="Courier New"/>
+                <a:cs typeface="Courier New"/>
+                <a:sym typeface="Courier New"/>
+              </a:rPr>
+              <a:t>we are using </a:t>
             </a:r>
             <a:r>
               <a:rPr lang="en" sz="1400" dirty="0" smtClean="0">
@@ -18116,18 +18070,7 @@
                 <a:cs typeface="Courier New"/>
                 <a:sym typeface="Courier New"/>
               </a:rPr>
-              <a:t> of </a:t>
-            </a:r>
-            <a:r>
-              <a:rPr lang="en" sz="1400" dirty="0" smtClean="0">
-                <a:solidFill>
-                  <a:schemeClr val="tx1"/>
-                </a:solidFill>
-                <a:ea typeface="Courier New"/>
-                <a:cs typeface="Courier New"/>
-                <a:sym typeface="Courier New"/>
-              </a:rPr>
-              <a:t>PsychoPy (</a:t>
+              <a:t> of PsychoPy (</a:t>
             </a:r>
             <a:r>
               <a:rPr lang="en" sz="1400" dirty="0" smtClean="0">
@@ -18151,14 +18094,6 @@
               </a:rPr>
               <a:t> for Mac) </a:t>
             </a:r>
-            <a:endParaRPr lang="en" sz="1400" dirty="0" smtClean="0">
-              <a:solidFill>
-                <a:schemeClr val="tx1"/>
-              </a:solidFill>
-              <a:ea typeface="Courier New"/>
-              <a:cs typeface="Courier New"/>
-              <a:sym typeface="Courier New"/>
-            </a:endParaRPr>
           </a:p>
           <a:p>
             <a:pPr marL="76200" indent="0">
@@ -18441,7 +18376,7 @@
               <a:buNone/>
             </a:pPr>
             <a:r>
-              <a:rPr lang="en" sz="1400" b="1" dirty="0" smtClean="0">
+              <a:rPr lang="en" sz="1400" b="1" dirty="0">
                 <a:solidFill>
                   <a:schemeClr val="tx1"/>
                 </a:solidFill>
@@ -18449,7 +18384,7 @@
                 <a:cs typeface="Courier New"/>
                 <a:sym typeface="Courier New"/>
               </a:rPr>
-              <a:t>For home use, visit:</a:t>
+              <a:t>For home use, download from:</a:t>
             </a:r>
           </a:p>
           <a:p>
@@ -18460,18 +18395,17 @@
               <a:buSzPct val="100000"/>
               <a:buNone/>
             </a:pPr>
-            <a:endParaRPr lang="en" sz="1400" u="sng" dirty="0" smtClean="0">
+            <a:endParaRPr lang="en" sz="1400" b="1" dirty="0">
               <a:solidFill>
                 <a:schemeClr val="tx1"/>
               </a:solidFill>
               <a:ea typeface="Courier New"/>
               <a:cs typeface="Courier New"/>
               <a:sym typeface="Courier New"/>
-              <a:hlinkClick r:id="rId2"/>
             </a:endParaRPr>
           </a:p>
           <a:p>
-            <a:pPr marL="76200" lvl="0" indent="0">
+            <a:pPr marL="76200" indent="0">
               <a:buClr>
                 <a:schemeClr val="dk1"/>
               </a:buClr>
@@ -18479,87 +18413,7 @@
               <a:buNone/>
             </a:pPr>
             <a:r>
-              <a:rPr lang="en" sz="1400" u="sng" dirty="0" smtClean="0">
-                <a:solidFill>
-                  <a:srgbClr val="FF0000"/>
-                </a:solidFill>
-                <a:ea typeface="Courier New"/>
-                <a:cs typeface="Courier New"/>
-                <a:sym typeface="Courier New"/>
-                <a:hlinkClick r:id="rId2"/>
-              </a:rPr>
-              <a:t>http</a:t>
-            </a:r>
-            <a:r>
-              <a:rPr lang="en" sz="1400" u="sng" dirty="0">
-                <a:solidFill>
-                  <a:srgbClr val="FF0000"/>
-                </a:solidFill>
-                <a:ea typeface="Courier New"/>
-                <a:cs typeface="Courier New"/>
-                <a:sym typeface="Courier New"/>
-                <a:hlinkClick r:id="rId2"/>
-              </a:rPr>
-              <a:t>://psychopy.org</a:t>
-            </a:r>
-            <a:r>
-              <a:rPr lang="en" sz="1400" u="sng" dirty="0" smtClean="0">
-                <a:solidFill>
-                  <a:srgbClr val="FF0000"/>
-                </a:solidFill>
-                <a:ea typeface="Courier New"/>
-                <a:cs typeface="Courier New"/>
-                <a:sym typeface="Courier New"/>
-                <a:hlinkClick r:id="rId2"/>
-              </a:rPr>
-              <a:t>/</a:t>
-            </a:r>
-          </a:p>
-          <a:p>
-            <a:pPr marL="76200" lvl="0" indent="0">
-              <a:buClr>
-                <a:schemeClr val="dk1"/>
-              </a:buClr>
-              <a:buSzPct val="100000"/>
-              <a:buNone/>
-            </a:pPr>
-            <a:endParaRPr lang="en" sz="1400" u="sng" dirty="0">
-              <a:solidFill>
-                <a:schemeClr val="tx1"/>
-              </a:solidFill>
-              <a:ea typeface="Courier New"/>
-              <a:cs typeface="Courier New"/>
-              <a:sym typeface="Courier New"/>
-              <a:hlinkClick r:id="rId2"/>
-            </a:endParaRPr>
-          </a:p>
-          <a:p>
-            <a:pPr marL="704850" lvl="1" indent="-228600">
-              <a:buClr>
-                <a:schemeClr val="dk1"/>
-              </a:buClr>
-              <a:buSzPct val="100000"/>
-              <a:buFont typeface="+mj-lt"/>
-              <a:buAutoNum type="arabicPeriod"/>
-            </a:pPr>
-            <a:r>
-              <a:rPr lang="en" sz="1300" dirty="0" smtClean="0">
-                <a:solidFill>
-                  <a:schemeClr val="tx1"/>
-                </a:solidFill>
-              </a:rPr>
-              <a:t>Select </a:t>
-            </a:r>
-            <a:r>
-              <a:rPr lang="en" sz="1300" dirty="0">
-                <a:solidFill>
-                  <a:schemeClr val="tx1"/>
-                </a:solidFill>
-              </a:rPr>
-              <a:t>the </a:t>
-            </a:r>
-            <a:r>
-              <a:rPr lang="en" sz="1300" dirty="0">
+              <a:rPr lang="en" sz="1400" b="1" dirty="0">
                 <a:solidFill>
                   <a:schemeClr val="tx1"/>
                 </a:solidFill>
@@ -18567,117 +18421,19 @@
                 <a:cs typeface="Courier New"/>
                 <a:sym typeface="Courier New"/>
               </a:rPr>
-              <a:t>DOWNLOAD</a:t>
-            </a:r>
-            <a:r>
-              <a:rPr lang="en" sz="1300" dirty="0">
-                <a:solidFill>
-                  <a:schemeClr val="tx1"/>
-                </a:solidFill>
-              </a:rPr>
-              <a:t> link </a:t>
-            </a:r>
-            <a:r>
-              <a:rPr lang="en" sz="1300" dirty="0" smtClean="0">
-                <a:solidFill>
-                  <a:schemeClr val="tx1"/>
-                </a:solidFill>
-              </a:rPr>
-              <a:t>- </a:t>
-            </a:r>
-            <a:r>
-              <a:rPr lang="en" sz="1300" dirty="0">
-                <a:solidFill>
-                  <a:schemeClr val="tx1"/>
-                </a:solidFill>
-              </a:rPr>
-              <a:t>this takes you to the SOURCEFORGE website which hosts the download files</a:t>
-            </a:r>
-          </a:p>
-          <a:p>
-            <a:pPr marL="704850" lvl="1" indent="-228600">
+              <a:t>Windows:</a:t>
+            </a:r>
+          </a:p>
+          <a:p>
+            <a:pPr marL="76200" indent="0">
               <a:buClr>
                 <a:schemeClr val="dk1"/>
               </a:buClr>
               <a:buSzPct val="100000"/>
-              <a:buFont typeface="+mj-lt"/>
-              <a:buAutoNum type="arabicPeriod"/>
-            </a:pPr>
-            <a:r>
-              <a:rPr lang="en" sz="1300" dirty="0">
-                <a:solidFill>
-                  <a:schemeClr val="tx1"/>
-                </a:solidFill>
-              </a:rPr>
-              <a:t>Select the PsychoPy folder and then choose the appropriate installer to download and then </a:t>
-            </a:r>
-            <a:r>
-              <a:rPr lang="en" sz="1300" dirty="0" smtClean="0">
-                <a:solidFill>
-                  <a:schemeClr val="tx1"/>
-                </a:solidFill>
-              </a:rPr>
-              <a:t>run</a:t>
-            </a:r>
-          </a:p>
-          <a:p>
-            <a:pPr marL="704850" lvl="1" indent="-228600">
-              <a:buClr>
-                <a:schemeClr val="dk1"/>
-              </a:buClr>
-              <a:buSzPct val="100000"/>
-              <a:buFont typeface="+mj-lt"/>
-              <a:buAutoNum type="arabicPeriod"/>
-            </a:pPr>
-            <a:r>
-              <a:rPr lang="en" sz="1300" dirty="0" smtClean="0">
-                <a:solidFill>
-                  <a:schemeClr val="tx1"/>
-                </a:solidFill>
-              </a:rPr>
-              <a:t>If </a:t>
-            </a:r>
-            <a:r>
-              <a:rPr lang="en" sz="1300" dirty="0">
-                <a:solidFill>
-                  <a:schemeClr val="tx1"/>
-                </a:solidFill>
-              </a:rPr>
-              <a:t>in doubt, choose the latest ‘STANDALONE’ version, MAC or Windows as </a:t>
-            </a:r>
-            <a:r>
-              <a:rPr lang="en" sz="1300" dirty="0" smtClean="0">
-                <a:solidFill>
-                  <a:schemeClr val="tx1"/>
-                </a:solidFill>
-              </a:rPr>
-              <a:t>appropriate</a:t>
-            </a:r>
-            <a:endParaRPr lang="en" sz="1300" dirty="0">
-              <a:solidFill>
-                <a:schemeClr val="tx1"/>
-              </a:solidFill>
-            </a:endParaRPr>
-          </a:p>
-          <a:p>
-            <a:pPr marL="704850" lvl="1" indent="-228600">
-              <a:buClr>
-                <a:schemeClr val="dk1"/>
-              </a:buClr>
-              <a:buSzPct val="100000"/>
-              <a:buFont typeface="+mj-lt"/>
-              <a:buAutoNum type="arabicPeriod"/>
-            </a:pPr>
-            <a:r>
-              <a:rPr lang="en" sz="1300" dirty="0">
-                <a:solidFill>
-                  <a:schemeClr val="tx1"/>
-                </a:solidFill>
-              </a:rPr>
-              <a:t>see also </a:t>
-            </a:r>
-            <a:r>
-              <a:rPr lang="en" sz="1300" u="sng" dirty="0">
+              <a:buNone/>
+            </a:pPr>
+            <a:r>
+              <a:rPr lang="en-GB" sz="1400" b="1" dirty="0">
                 <a:solidFill>
                   <a:schemeClr val="tx1"/>
                 </a:solidFill>
@@ -18686,16 +18442,95 @@
                 <a:sym typeface="Courier New"/>
                 <a:hlinkClick r:id="rId3"/>
               </a:rPr>
-              <a:t>www.psychopy.org/installation</a:t>
-            </a:r>
-            <a:r>
-              <a:rPr lang="en" sz="1300" dirty="0">
+              <a:t>https://github.com/psychopy/psychopy/releases/download/1.85.3/StandalonePsychoPy-1.85.3b-win32.exe</a:t>
+            </a:r>
+            <a:endParaRPr lang="en-GB" sz="1400" b="1" dirty="0">
+              <a:solidFill>
+                <a:schemeClr val="tx1"/>
+              </a:solidFill>
+              <a:ea typeface="Courier New"/>
+              <a:cs typeface="Courier New"/>
+              <a:sym typeface="Courier New"/>
+            </a:endParaRPr>
+          </a:p>
+          <a:p>
+            <a:pPr marL="76200" indent="0">
+              <a:buClr>
+                <a:schemeClr val="dk1"/>
+              </a:buClr>
+              <a:buSzPct val="100000"/>
+              <a:buNone/>
+            </a:pPr>
+            <a:endParaRPr lang="en" sz="1400" b="1" dirty="0">
+              <a:solidFill>
+                <a:schemeClr val="tx1"/>
+              </a:solidFill>
+              <a:ea typeface="Courier New"/>
+              <a:cs typeface="Courier New"/>
+              <a:sym typeface="Courier New"/>
+            </a:endParaRPr>
+          </a:p>
+          <a:p>
+            <a:pPr marL="76200" indent="0">
+              <a:buClr>
+                <a:schemeClr val="dk1"/>
+              </a:buClr>
+              <a:buSzPct val="100000"/>
+              <a:buNone/>
+            </a:pPr>
+            <a:r>
+              <a:rPr lang="en" sz="1400" b="1" dirty="0">
                 <a:solidFill>
                   <a:schemeClr val="tx1"/>
                 </a:solidFill>
+                <a:ea typeface="Courier New"/>
+                <a:cs typeface="Courier New"/>
+                <a:sym typeface="Courier New"/>
               </a:rPr>
-              <a:t> </a:t>
-            </a:r>
+              <a:t>Mac: </a:t>
+            </a:r>
+            <a:r>
+              <a:rPr lang="en" sz="1400" b="1" dirty="0">
+                <a:solidFill>
+                  <a:schemeClr val="bg1">
+                    <a:lumMod val="50000"/>
+                  </a:schemeClr>
+                </a:solidFill>
+                <a:ea typeface="Courier New"/>
+                <a:cs typeface="Courier New"/>
+                <a:sym typeface="Courier New"/>
+              </a:rPr>
+              <a:t>(Version 1.85.4 due to a Mac specific bug in previous version)</a:t>
+            </a:r>
+          </a:p>
+          <a:p>
+            <a:pPr marL="76200" indent="0">
+              <a:buClr>
+                <a:schemeClr val="dk1"/>
+              </a:buClr>
+              <a:buSzPct val="100000"/>
+              <a:buNone/>
+            </a:pPr>
+            <a:r>
+              <a:rPr lang="en-GB" sz="1400" b="1" dirty="0">
+                <a:solidFill>
+                  <a:schemeClr val="tx1"/>
+                </a:solidFill>
+                <a:ea typeface="Courier New"/>
+                <a:cs typeface="Courier New"/>
+                <a:sym typeface="Courier New"/>
+                <a:hlinkClick r:id="rId4"/>
+              </a:rPr>
+              <a:t>https://github.com/psychopy/psychopy/releases/download/1.85.4/StandalonePsychoPy-1.85.4b-OSX_64bit.dmg</a:t>
+            </a:r>
+            <a:endParaRPr lang="en-GB" sz="1400" b="1" dirty="0">
+              <a:solidFill>
+                <a:schemeClr val="tx1"/>
+              </a:solidFill>
+              <a:ea typeface="Courier New"/>
+              <a:cs typeface="Courier New"/>
+              <a:sym typeface="Courier New"/>
+            </a:endParaRPr>
           </a:p>
           <a:p>
             <a:pPr marL="0" indent="0">
@@ -18971,7 +18806,6 @@
               <a:rPr lang="en" dirty="0" smtClean="0"/>
               <a:t>(see FAQ for how to see full filenames)</a:t>
             </a:r>
-            <a:endParaRPr lang="en" dirty="0" smtClean="0"/>
           </a:p>
           <a:p>
             <a:pPr marL="361950" indent="-285750">
@@ -19503,10 +19337,6 @@
               </a:rPr>
               <a:t> Builder view</a:t>
             </a:r>
-            <a:endParaRPr lang="en-GB" i="1" dirty="0" smtClean="0">
-              <a:latin typeface="Courier New" panose="02070309020205020404" pitchFamily="49" charset="0"/>
-              <a:cs typeface="Courier New" panose="02070309020205020404" pitchFamily="49" charset="0"/>
-            </a:endParaRPr>
           </a:p>
           <a:p>
             <a:pPr marL="0" indent="0">
@@ -19841,11 +19671,7 @@
           <a:p>
             <a:r>
               <a:rPr lang="en-GB" dirty="0" smtClean="0"/>
-              <a:t>Don’t worry what everything is just yet, we’ll cover it later</a:t>
-            </a:r>
-            <a:r>
-              <a:rPr lang="en-GB" dirty="0" smtClean="0"/>
-              <a:t>!</a:t>
+              <a:t>Don’t worry what everything is just yet, we’ll cover it later!</a:t>
             </a:r>
             <a:br>
               <a:rPr lang="en-GB" dirty="0" smtClean="0"/>
@@ -19855,19 +19681,7 @@
           <a:p>
             <a:r>
               <a:rPr lang="en-GB" dirty="0" smtClean="0"/>
-              <a:t>Click the green icon </a:t>
-            </a:r>
-            <a:r>
-              <a:rPr lang="en-GB" dirty="0" smtClean="0"/>
-              <a:t>          at </a:t>
-            </a:r>
-            <a:r>
-              <a:rPr lang="en-GB" dirty="0" smtClean="0"/>
-              <a:t>the top to run </a:t>
-            </a:r>
-            <a:r>
-              <a:rPr lang="en-GB" dirty="0" smtClean="0"/>
-              <a:t>it.</a:t>
+              <a:t>Click the green icon           at the top to run it.</a:t>
             </a:r>
             <a:br>
               <a:rPr lang="en-GB" dirty="0" smtClean="0"/>
@@ -19877,11 +19691,7 @@
           <a:p>
             <a:r>
               <a:rPr lang="en-GB" dirty="0" smtClean="0"/>
-              <a:t>Follow the instructions and see </a:t>
-            </a:r>
-            <a:r>
-              <a:rPr lang="en-GB" dirty="0" smtClean="0"/>
-              <a:t>what it does.</a:t>
+              <a:t>Follow the instructions and see what it does.</a:t>
             </a:r>
           </a:p>
           <a:p>
